--- a/peci/inception.pptx
+++ b/peci/inception.pptx
@@ -133,9 +133,7 @@
 <file path=ppt/revisionInfo.xml><?xml version="1.0" encoding="utf-8"?>
 <p1510:revInfo xmlns:a="http://schemas.openxmlformats.org/drawingml/2006/main" xmlns:r="http://schemas.openxmlformats.org/officeDocument/2006/relationships" xmlns:p1510="http://schemas.microsoft.com/office/powerpoint/2015/10/main">
   <p1510:revLst>
-    <p1510:client id="{21997ABA-CA2B-4EB7-86C8-5975BFF39B4F}" v="365" dt="2023-10-01T15:19:44.177"/>
-    <p1510:client id="{42B835D8-72AA-5594-681F-C1667E861B48}" v="19" dt="2023-09-30T18:10:54.481"/>
-    <p1510:client id="{B33FB88B-D010-FADE-F7EA-4E5CC255EE23}" v="11" dt="2023-09-30T17:53:37.140"/>
+    <p1510:client id="{21997ABA-CA2B-4EB7-86C8-5975BFF39B4F}" v="366" dt="2023-10-01T21:29:44.256"/>
   </p1510:revLst>
 </p1510:revInfo>
 </file>
@@ -279,7 +277,7 @@
   <pc:docChgLst>
     <pc:chgData name="João Gaspar" userId="7dec15aa-df9c-4e56-83fb-de5e1da84347" providerId="ADAL" clId="{21997ABA-CA2B-4EB7-86C8-5975BFF39B4F}"/>
     <pc:docChg chg="undo redo custSel addSld delSld modSld sldOrd">
-      <pc:chgData name="João Gaspar" userId="7dec15aa-df9c-4e56-83fb-de5e1da84347" providerId="ADAL" clId="{21997ABA-CA2B-4EB7-86C8-5975BFF39B4F}" dt="2023-10-01T15:21:08.306" v="4646" actId="1037"/>
+      <pc:chgData name="João Gaspar" userId="7dec15aa-df9c-4e56-83fb-de5e1da84347" providerId="ADAL" clId="{21997ABA-CA2B-4EB7-86C8-5975BFF39B4F}" dt="2023-10-01T21:30:35.209" v="4673" actId="790"/>
       <pc:docMkLst>
         <pc:docMk/>
       </pc:docMkLst>
@@ -338,7 +336,7 @@
         </pc:spChg>
       </pc:sldChg>
       <pc:sldChg chg="modSp mod">
-        <pc:chgData name="João Gaspar" userId="7dec15aa-df9c-4e56-83fb-de5e1da84347" providerId="ADAL" clId="{21997ABA-CA2B-4EB7-86C8-5975BFF39B4F}" dt="2023-10-01T15:01:58.706" v="3877" actId="20577"/>
+        <pc:chgData name="João Gaspar" userId="7dec15aa-df9c-4e56-83fb-de5e1da84347" providerId="ADAL" clId="{21997ABA-CA2B-4EB7-86C8-5975BFF39B4F}" dt="2023-10-01T21:30:12.535" v="4672" actId="1036"/>
         <pc:sldMkLst>
           <pc:docMk/>
           <pc:sldMk cId="3571516367" sldId="258"/>
@@ -352,7 +350,7 @@
           </ac:spMkLst>
         </pc:spChg>
         <pc:spChg chg="mod">
-          <ac:chgData name="João Gaspar" userId="7dec15aa-df9c-4e56-83fb-de5e1da84347" providerId="ADAL" clId="{21997ABA-CA2B-4EB7-86C8-5975BFF39B4F}" dt="2023-10-01T15:01:58.706" v="3877" actId="20577"/>
+          <ac:chgData name="João Gaspar" userId="7dec15aa-df9c-4e56-83fb-de5e1da84347" providerId="ADAL" clId="{21997ABA-CA2B-4EB7-86C8-5975BFF39B4F}" dt="2023-10-01T21:30:12.535" v="4672" actId="1036"/>
           <ac:spMkLst>
             <pc:docMk/>
             <pc:sldMk cId="3571516367" sldId="258"/>
@@ -391,7 +389,7 @@
         </pc:sldMkLst>
       </pc:sldChg>
       <pc:sldChg chg="addSp delSp modSp mod">
-        <pc:chgData name="João Gaspar" userId="7dec15aa-df9c-4e56-83fb-de5e1da84347" providerId="ADAL" clId="{21997ABA-CA2B-4EB7-86C8-5975BFF39B4F}" dt="2023-10-01T15:21:08.306" v="4646" actId="1037"/>
+        <pc:chgData name="João Gaspar" userId="7dec15aa-df9c-4e56-83fb-de5e1da84347" providerId="ADAL" clId="{21997ABA-CA2B-4EB7-86C8-5975BFF39B4F}" dt="2023-10-01T21:30:35.209" v="4673" actId="790"/>
         <pc:sldMkLst>
           <pc:docMk/>
           <pc:sldMk cId="1429429409" sldId="261"/>
@@ -493,7 +491,7 @@
           </ac:spMkLst>
         </pc:spChg>
         <pc:spChg chg="add mod">
-          <ac:chgData name="João Gaspar" userId="7dec15aa-df9c-4e56-83fb-de5e1da84347" providerId="ADAL" clId="{21997ABA-CA2B-4EB7-86C8-5975BFF39B4F}" dt="2023-10-01T15:17:38.156" v="4482" actId="403"/>
+          <ac:chgData name="João Gaspar" userId="7dec15aa-df9c-4e56-83fb-de5e1da84347" providerId="ADAL" clId="{21997ABA-CA2B-4EB7-86C8-5975BFF39B4F}" dt="2023-10-01T21:30:35.209" v="4673" actId="790"/>
           <ac:spMkLst>
             <pc:docMk/>
             <pc:sldMk cId="1429429409" sldId="261"/>
@@ -11188,13 +11186,13 @@
           <a:lstStyle/>
           <a:p>
             <a:r>
-              <a:rPr lang="en-US" sz="8000" b="1" cap="none" err="1">
+              <a:rPr lang="en-US" sz="8000" b="1" cap="none" dirty="0">
                 <a:ea typeface="Cambria"/>
                 <a:cs typeface="+mj-lt"/>
               </a:rPr>
               <a:t>RadarID</a:t>
             </a:r>
-            <a:endParaRPr lang="en-US" sz="8000" b="1" err="1">
+            <a:endParaRPr lang="en-US" sz="8000" b="1" dirty="0">
               <a:ea typeface="Cambria"/>
               <a:cs typeface="+mj-lt"/>
             </a:endParaRPr>
@@ -11647,10 +11645,9 @@
               </a:spcAft>
             </a:pPr>
             <a:r>
-              <a:rPr lang="en-US" dirty="0" err="1"/>
+              <a:rPr lang="en-US" dirty="0"/>
               <a:t>RadarID</a:t>
             </a:r>
-            <a:endParaRPr lang="en-US"/>
           </a:p>
         </p:txBody>
       </p:sp>
@@ -11826,10 +11823,9 @@
           <a:lstStyle/>
           <a:p>
             <a:r>
-              <a:rPr lang="en-US" dirty="0" err="1"/>
+              <a:rPr lang="en-US" dirty="0"/>
               <a:t>RadarID</a:t>
             </a:r>
-            <a:endParaRPr lang="en-US" dirty="0"/>
           </a:p>
         </p:txBody>
       </p:sp>
@@ -11949,7 +11945,7 @@
         </p:nvSpPr>
         <p:spPr>
           <a:xfrm>
-            <a:off x="1362075" y="3660774"/>
+            <a:off x="1362075" y="3282402"/>
             <a:ext cx="5111750" cy="2263602"/>
           </a:xfrm>
         </p:spPr>
@@ -12009,10 +12005,9 @@
           <a:lstStyle/>
           <a:p>
             <a:r>
-              <a:rPr lang="en-US" dirty="0" err="1"/>
+              <a:rPr lang="en-US" dirty="0"/>
               <a:t>RadarID</a:t>
             </a:r>
-            <a:endParaRPr lang="en-US" dirty="0"/>
           </a:p>
         </p:txBody>
       </p:sp>
@@ -12193,10 +12188,9 @@
               </a:spcAft>
             </a:pPr>
             <a:r>
-              <a:rPr lang="en-US" dirty="0" err="1"/>
+              <a:rPr lang="en-US" dirty="0"/>
               <a:t>RadarID</a:t>
             </a:r>
-            <a:endParaRPr lang="en-US"/>
           </a:p>
         </p:txBody>
       </p:sp>
@@ -12240,7 +12234,7 @@
               </a:pPr>
               <a:t>4</a:t>
             </a:fld>
-            <a:endParaRPr lang="en-US"/>
+            <a:endParaRPr lang="en-US" dirty="0"/>
           </a:p>
         </p:txBody>
       </p:sp>
@@ -12395,10 +12389,9 @@
           <a:lstStyle/>
           <a:p>
             <a:r>
-              <a:rPr lang="en-US" dirty="0" err="1"/>
+              <a:rPr lang="en-US" dirty="0"/>
               <a:t>RadarID</a:t>
             </a:r>
-            <a:endParaRPr lang="en-US" dirty="0"/>
           </a:p>
         </p:txBody>
       </p:sp>
@@ -18421,10 +18414,9 @@
           <a:lstStyle/>
           <a:p>
             <a:r>
-              <a:rPr lang="en-US" dirty="0" err="1"/>
+              <a:rPr lang="en-US" dirty="0"/>
               <a:t>RadarID</a:t>
             </a:r>
-            <a:endParaRPr lang="en-US" dirty="0"/>
           </a:p>
         </p:txBody>
       </p:sp>
@@ -21151,10 +21143,9 @@
           <a:lstStyle/>
           <a:p>
             <a:r>
-              <a:rPr lang="en-US" dirty="0" err="1"/>
+              <a:rPr lang="en-US" dirty="0"/>
               <a:t>RadarID</a:t>
             </a:r>
-            <a:endParaRPr lang="en-US" dirty="0"/>
           </a:p>
         </p:txBody>
       </p:sp>
@@ -21388,10 +21379,9 @@
           <a:lstStyle/>
           <a:p>
             <a:r>
-              <a:rPr lang="en-US" dirty="0" err="1"/>
+              <a:rPr lang="en-US" dirty="0"/>
               <a:t>RadarID</a:t>
             </a:r>
-            <a:endParaRPr lang="en-US" dirty="0"/>
           </a:p>
         </p:txBody>
       </p:sp>
@@ -21520,10 +21510,9 @@
           <a:lstStyle/>
           <a:p>
             <a:r>
-              <a:rPr lang="en-US" dirty="0" err="1"/>
+              <a:rPr lang="en-US" dirty="0"/>
               <a:t>RadarID</a:t>
             </a:r>
-            <a:endParaRPr lang="en-US" dirty="0"/>
           </a:p>
         </p:txBody>
       </p:sp>
@@ -21928,7 +21917,7 @@
               <a:t>(software for </a:t>
             </a:r>
             <a:r>
-              <a:rPr lang="pt-PT" sz="1400" dirty="0" err="1"/>
+              <a:rPr lang="en-US" sz="1400" dirty="0"/>
               <a:t>project</a:t>
             </a:r>
             <a:r>
@@ -22964,6 +22953,15 @@
 </file>
 
 <file path=customXml/item1.xml><?xml version="1.0" encoding="utf-8"?>
+<?mso-contentType ?>
+<FormTemplates xmlns="http://schemas.microsoft.com/sharepoint/v3/contenttype/forms">
+  <Display>DocumentLibraryForm</Display>
+  <Edit>DocumentLibraryForm</Edit>
+  <New>DocumentLibraryForm</New>
+</FormTemplates>
+</file>
+
+<file path=customXml/item2.xml><?xml version="1.0" encoding="utf-8"?>
 <ct:contentTypeSchema xmlns:ct="http://schemas.microsoft.com/office/2006/metadata/contentType" xmlns:ma="http://schemas.microsoft.com/office/2006/metadata/properties/metaAttributes" ct:_="" ma:_="" ma:contentTypeName="Document" ma:contentTypeID="0x01010079F111ED35F8CC479449609E8A0923A6" ma:contentTypeVersion="28" ma:contentTypeDescription="Create a new document." ma:contentTypeScope="" ma:versionID="60f5a4f2d2b0abadcf532d48ebf9cb71">
   <xsd:schema xmlns:xsd="http://www.w3.org/2001/XMLSchema" xmlns:xs="http://www.w3.org/2001/XMLSchema" xmlns:p="http://schemas.microsoft.com/office/2006/metadata/properties" xmlns:ns1="http://schemas.microsoft.com/sharepoint/v3" xmlns:ns2="71af3243-3dd4-4a8d-8c0d-dd76da1f02a5" xmlns:ns3="16c05727-aa75-4e4a-9b5f-8a80a1165891" xmlns:ns4="230e9df3-be65-4c73-a93b-d1236ebd677e" targetNamespace="http://schemas.microsoft.com/office/2006/metadata/properties" ma:root="true" ma:fieldsID="7dd78129e6a1811f84807ad11c651531" ns1:_="" ns2:_="" ns3:_="" ns4:_="">
     <xsd:import namespace="http://schemas.microsoft.com/sharepoint/v3"/>
@@ -23275,15 +23273,6 @@
 </ct:contentTypeSchema>
 </file>
 
-<file path=customXml/item2.xml><?xml version="1.0" encoding="utf-8"?>
-<?mso-contentType ?>
-<FormTemplates xmlns="http://schemas.microsoft.com/sharepoint/v3/contenttype/forms">
-  <Display>DocumentLibraryForm</Display>
-  <Edit>DocumentLibraryForm</Edit>
-  <New>DocumentLibraryForm</New>
-</FormTemplates>
-</file>
-
 <file path=customXml/item3.xml><?xml version="1.0" encoding="utf-8"?>
 <p:properties xmlns:p="http://schemas.microsoft.com/office/2006/metadata/properties" xmlns:xsi="http://www.w3.org/2001/XMLSchema-instance" xmlns:pc="http://schemas.microsoft.com/office/infopath/2007/PartnerControls">
   <documentManagement>
@@ -23305,6 +23294,14 @@
 </file>
 
 <file path=customXml/itemProps1.xml><?xml version="1.0" encoding="utf-8"?>
+<ds:datastoreItem xmlns:ds="http://schemas.openxmlformats.org/officeDocument/2006/customXml" ds:itemID="{518A5EB6-E9B8-417D-B09E-03811FBC9BCD}">
+  <ds:schemaRefs>
+    <ds:schemaRef ds:uri="http://schemas.microsoft.com/sharepoint/v3/contenttype/forms"/>
+  </ds:schemaRefs>
+</ds:datastoreItem>
+</file>
+
+<file path=customXml/itemProps2.xml><?xml version="1.0" encoding="utf-8"?>
 <ds:datastoreItem xmlns:ds="http://schemas.openxmlformats.org/officeDocument/2006/customXml" ds:itemID="{EAB34632-EE39-4722-B8A6-C2A6B86CC893}">
   <ds:schemaRefs>
     <ds:schemaRef ds:uri="http://schemas.microsoft.com/office/2006/metadata/contentType"/>
@@ -23325,14 +23322,6 @@
 </ds:datastoreItem>
 </file>
 
-<file path=customXml/itemProps2.xml><?xml version="1.0" encoding="utf-8"?>
-<ds:datastoreItem xmlns:ds="http://schemas.openxmlformats.org/officeDocument/2006/customXml" ds:itemID="{518A5EB6-E9B8-417D-B09E-03811FBC9BCD}">
-  <ds:schemaRefs>
-    <ds:schemaRef ds:uri="http://schemas.microsoft.com/sharepoint/v3/contenttype/forms"/>
-  </ds:schemaRefs>
-</ds:datastoreItem>
-</file>
-
 <file path=customXml/itemProps3.xml><?xml version="1.0" encoding="utf-8"?>
 <ds:datastoreItem xmlns:ds="http://schemas.openxmlformats.org/officeDocument/2006/customXml" ds:itemID="{CE5CEF65-757A-4D05-90BA-ED40BC2E5152}">
   <ds:schemaRefs>

--- a/peci/inception.pptx
+++ b/peci/inception.pptx
@@ -277,7 +277,7 @@
   <pc:docChgLst>
     <pc:chgData name="João Gaspar" userId="7dec15aa-df9c-4e56-83fb-de5e1da84347" providerId="ADAL" clId="{21997ABA-CA2B-4EB7-86C8-5975BFF39B4F}"/>
     <pc:docChg chg="undo redo custSel addSld delSld modSld sldOrd">
-      <pc:chgData name="João Gaspar" userId="7dec15aa-df9c-4e56-83fb-de5e1da84347" providerId="ADAL" clId="{21997ABA-CA2B-4EB7-86C8-5975BFF39B4F}" dt="2023-10-01T21:30:35.209" v="4673" actId="790"/>
+      <pc:chgData name="João Gaspar" userId="7dec15aa-df9c-4e56-83fb-de5e1da84347" providerId="ADAL" clId="{21997ABA-CA2B-4EB7-86C8-5975BFF39B4F}" dt="2023-10-03T11:22:22.210" v="4787" actId="1076"/>
       <pc:docMkLst>
         <pc:docMk/>
       </pc:docMkLst>
@@ -389,7 +389,7 @@
         </pc:sldMkLst>
       </pc:sldChg>
       <pc:sldChg chg="addSp delSp modSp mod">
-        <pc:chgData name="João Gaspar" userId="7dec15aa-df9c-4e56-83fb-de5e1da84347" providerId="ADAL" clId="{21997ABA-CA2B-4EB7-86C8-5975BFF39B4F}" dt="2023-10-01T21:30:35.209" v="4673" actId="790"/>
+        <pc:chgData name="João Gaspar" userId="7dec15aa-df9c-4e56-83fb-de5e1da84347" providerId="ADAL" clId="{21997ABA-CA2B-4EB7-86C8-5975BFF39B4F}" dt="2023-10-03T11:22:22.210" v="4787" actId="1076"/>
         <pc:sldMkLst>
           <pc:docMk/>
           <pc:sldMk cId="1429429409" sldId="261"/>
@@ -491,7 +491,7 @@
           </ac:spMkLst>
         </pc:spChg>
         <pc:spChg chg="add mod">
-          <ac:chgData name="João Gaspar" userId="7dec15aa-df9c-4e56-83fb-de5e1da84347" providerId="ADAL" clId="{21997ABA-CA2B-4EB7-86C8-5975BFF39B4F}" dt="2023-10-01T21:30:35.209" v="4673" actId="790"/>
+          <ac:chgData name="João Gaspar" userId="7dec15aa-df9c-4e56-83fb-de5e1da84347" providerId="ADAL" clId="{21997ABA-CA2B-4EB7-86C8-5975BFF39B4F}" dt="2023-10-03T11:22:08.462" v="4784" actId="1076"/>
           <ac:spMkLst>
             <pc:docMk/>
             <pc:sldMk cId="1429429409" sldId="261"/>
@@ -515,7 +515,7 @@
           </ac:spMkLst>
         </pc:spChg>
         <pc:spChg chg="add mod">
-          <ac:chgData name="João Gaspar" userId="7dec15aa-df9c-4e56-83fb-de5e1da84347" providerId="ADAL" clId="{21997ABA-CA2B-4EB7-86C8-5975BFF39B4F}" dt="2023-10-01T15:18:17.267" v="4532" actId="20577"/>
+          <ac:chgData name="João Gaspar" userId="7dec15aa-df9c-4e56-83fb-de5e1da84347" providerId="ADAL" clId="{21997ABA-CA2B-4EB7-86C8-5975BFF39B4F}" dt="2023-10-03T11:22:03.023" v="4783" actId="1038"/>
           <ac:spMkLst>
             <pc:docMk/>
             <pc:sldMk cId="1429429409" sldId="261"/>
@@ -523,7 +523,7 @@
           </ac:spMkLst>
         </pc:spChg>
         <pc:spChg chg="add mod">
-          <ac:chgData name="João Gaspar" userId="7dec15aa-df9c-4e56-83fb-de5e1da84347" providerId="ADAL" clId="{21997ABA-CA2B-4EB7-86C8-5975BFF39B4F}" dt="2023-10-01T15:21:08.306" v="4646" actId="1037"/>
+          <ac:chgData name="João Gaspar" userId="7dec15aa-df9c-4e56-83fb-de5e1da84347" providerId="ADAL" clId="{21997ABA-CA2B-4EB7-86C8-5975BFF39B4F}" dt="2023-10-03T11:22:22.210" v="4787" actId="1076"/>
           <ac:spMkLst>
             <pc:docMk/>
             <pc:sldMk cId="1429429409" sldId="261"/>
@@ -531,7 +531,7 @@
           </ac:spMkLst>
         </pc:spChg>
         <pc:spChg chg="add mod">
-          <ac:chgData name="João Gaspar" userId="7dec15aa-df9c-4e56-83fb-de5e1da84347" providerId="ADAL" clId="{21997ABA-CA2B-4EB7-86C8-5975BFF39B4F}" dt="2023-10-01T15:21:08.306" v="4646" actId="1037"/>
+          <ac:chgData name="João Gaspar" userId="7dec15aa-df9c-4e56-83fb-de5e1da84347" providerId="ADAL" clId="{21997ABA-CA2B-4EB7-86C8-5975BFF39B4F}" dt="2023-10-03T11:22:13.318" v="4785" actId="1076"/>
           <ac:spMkLst>
             <pc:docMk/>
             <pc:sldMk cId="1429429409" sldId="261"/>
@@ -1134,7 +1134,7 @@
         </pc:cxnChg>
       </pc:sldChg>
       <pc:sldChg chg="addSp delSp modSp mod">
-        <pc:chgData name="João Gaspar" userId="7dec15aa-df9c-4e56-83fb-de5e1da84347" providerId="ADAL" clId="{21997ABA-CA2B-4EB7-86C8-5975BFF39B4F}" dt="2023-10-01T14:58:44.221" v="3756" actId="20577"/>
+        <pc:chgData name="João Gaspar" userId="7dec15aa-df9c-4e56-83fb-de5e1da84347" providerId="ADAL" clId="{21997ABA-CA2B-4EB7-86C8-5975BFF39B4F}" dt="2023-10-03T11:21:26.466" v="4762" actId="20577"/>
         <pc:sldMkLst>
           <pc:docMk/>
           <pc:sldMk cId="2896385493" sldId="270"/>
@@ -1260,7 +1260,7 @@
           </ac:spMkLst>
         </pc:spChg>
         <pc:spChg chg="mod">
-          <ac:chgData name="João Gaspar" userId="7dec15aa-df9c-4e56-83fb-de5e1da84347" providerId="ADAL" clId="{21997ABA-CA2B-4EB7-86C8-5975BFF39B4F}" dt="2023-10-01T14:55:47.207" v="3628" actId="123"/>
+          <ac:chgData name="João Gaspar" userId="7dec15aa-df9c-4e56-83fb-de5e1da84347" providerId="ADAL" clId="{21997ABA-CA2B-4EB7-86C8-5975BFF39B4F}" dt="2023-10-03T11:21:26.466" v="4762" actId="20577"/>
           <ac:spMkLst>
             <pc:docMk/>
             <pc:sldMk cId="2896385493" sldId="270"/>
@@ -1276,7 +1276,7 @@
           </ac:spMkLst>
         </pc:spChg>
         <pc:spChg chg="mod">
-          <ac:chgData name="João Gaspar" userId="7dec15aa-df9c-4e56-83fb-de5e1da84347" providerId="ADAL" clId="{21997ABA-CA2B-4EB7-86C8-5975BFF39B4F}" dt="2023-10-01T14:55:47.207" v="3628" actId="123"/>
+          <ac:chgData name="João Gaspar" userId="7dec15aa-df9c-4e56-83fb-de5e1da84347" providerId="ADAL" clId="{21997ABA-CA2B-4EB7-86C8-5975BFF39B4F}" dt="2023-10-03T11:21:14.767" v="4755" actId="404"/>
           <ac:spMkLst>
             <pc:docMk/>
             <pc:sldMk cId="2896385493" sldId="270"/>
@@ -1731,7 +1731,7 @@
           <a:p>
             <a:fld id="{B56F32FC-4BD9-442A-A8C6-51598C909FE3}" type="datetimeFigureOut">
               <a:rPr lang="en-US" smtClean="0"/>
-              <a:t>10/1/2023</a:t>
+              <a:t>10/3/2023</a:t>
             </a:fld>
             <a:endParaRPr lang="en-US" dirty="0"/>
           </a:p>
@@ -1908,7 +1908,7 @@
           <a:p>
             <a:fld id="{056371FA-A98D-41E8-93F4-09945841298A}" type="datetimeFigureOut">
               <a:rPr lang="en-US" smtClean="0"/>
-              <a:t>10/1/2023</a:t>
+              <a:t>10/3/2023</a:t>
             </a:fld>
             <a:endParaRPr lang="en-US" dirty="0"/>
           </a:p>
@@ -12286,8 +12286,8 @@
         </p:nvSpPr>
         <p:spPr>
           <a:xfrm>
-            <a:off x="2933700" y="572757"/>
-            <a:ext cx="4114800" cy="1644984"/>
+            <a:off x="3405429" y="-194722"/>
+            <a:ext cx="3390900" cy="1644984"/>
           </a:xfrm>
         </p:spPr>
         <p:txBody>
@@ -12301,38 +12301,40 @@
           </a:p>
         </p:txBody>
       </p:sp>
-      <p:sp>
-        <p:nvSpPr>
-          <p:cNvPr id="4" name="Content Placeholder 3">
+      <p:pic>
+        <p:nvPicPr>
+          <p:cNvPr id="7" name="Marcador de Posição de Conteúdo 6">
             <a:extLst>
               <a:ext uri="{FF2B5EF4-FFF2-40B4-BE49-F238E27FC236}">
-                <a16:creationId xmlns:a16="http://schemas.microsoft.com/office/drawing/2014/main" id="{33D8731E-4977-402E-8BFD-895B4D0544CC}"/>
+                <a16:creationId xmlns:a16="http://schemas.microsoft.com/office/drawing/2014/main" id="{CFEF92F1-ABCE-5C40-6AE1-1BE8684F55AC}"/>
               </a:ext>
             </a:extLst>
           </p:cNvPr>
-          <p:cNvSpPr>
-            <a:spLocks noGrp="1"/>
-          </p:cNvSpPr>
+          <p:cNvPicPr>
+            <a:picLocks noGrp="1" noChangeAspect="1"/>
+          </p:cNvPicPr>
           <p:nvPr>
             <p:ph sz="half" idx="2"/>
           </p:nvPr>
-        </p:nvSpPr>
+        </p:nvPicPr>
+        <p:blipFill>
+          <a:blip r:embed="rId2"/>
+          <a:stretch>
+            <a:fillRect/>
+          </a:stretch>
+        </p:blipFill>
         <p:spPr>
           <a:xfrm>
-            <a:off x="2933700" y="2883877"/>
-            <a:ext cx="3924300" cy="1997867"/>
+            <a:off x="2713059" y="1960467"/>
+            <a:ext cx="4114800" cy="2937066"/>
           </a:xfrm>
+          <a:ln>
+            <a:solidFill>
+              <a:schemeClr val="tx1"/>
+            </a:solidFill>
+          </a:ln>
         </p:spPr>
-        <p:txBody>
-          <a:bodyPr>
-            <a:normAutofit/>
-          </a:bodyPr>
-          <a:lstStyle/>
-          <a:p>
-            <a:endParaRPr lang="en-US" dirty="0"/>
-          </a:p>
-        </p:txBody>
-      </p:sp>
+      </p:pic>
       <p:pic>
         <p:nvPicPr>
           <p:cNvPr id="5" name="Marcador de Posição de Conteúdo 4">
@@ -12350,15 +12352,15 @@
           </p:nvPr>
         </p:nvPicPr>
         <p:blipFill>
-          <a:blip r:embed="rId2"/>
+          <a:blip r:embed="rId3"/>
           <a:stretch>
             <a:fillRect/>
           </a:stretch>
         </p:blipFill>
         <p:spPr>
           <a:xfrm>
-            <a:off x="7326292" y="1418399"/>
-            <a:ext cx="4114800" cy="3076064"/>
+            <a:off x="7390227" y="1956185"/>
+            <a:ext cx="3929579" cy="2937600"/>
           </a:xfrm>
           <a:ln>
             <a:solidFill>
@@ -12441,7 +12443,7 @@
         </p:nvSpPr>
         <p:spPr>
           <a:xfrm>
-            <a:off x="7421542" y="4551146"/>
+            <a:off x="7390227" y="4983725"/>
             <a:ext cx="3924300" cy="888455"/>
           </a:xfrm>
           <a:prstGeom prst="rect">
@@ -12620,31 +12622,7 @@
             <a:pPr algn="just"/>
             <a:r>
               <a:rPr lang="en-US" i="1" dirty="0"/>
-              <a:t>Sung-</a:t>
-            </a:r>
-            <a:r>
-              <a:rPr lang="en-US" i="1" dirty="0" err="1"/>
-              <a:t>wook</a:t>
-            </a:r>
-            <a:r>
-              <a:rPr lang="en-US" i="1" dirty="0"/>
-              <a:t> K.; </a:t>
-            </a:r>
-            <a:r>
-              <a:rPr lang="en-US" i="1" dirty="0" err="1"/>
-              <a:t>Min-ho</a:t>
-            </a:r>
-            <a:r>
-              <a:rPr lang="en-US" i="1" dirty="0"/>
-              <a:t> J.; </a:t>
-            </a:r>
-            <a:r>
-              <a:rPr lang="en-US" i="1" dirty="0" err="1"/>
-              <a:t>Seongwook</a:t>
-            </a:r>
-            <a:r>
-              <a:rPr lang="en-US" i="1" dirty="0"/>
-              <a:t> L.</a:t>
+              <a:t>S. Kang; M. Jang; S. Lee</a:t>
             </a:r>
           </a:p>
           <a:p>
@@ -12652,6 +12630,213 @@
             <a:r>
               <a:rPr lang="en-US" i="1" dirty="0"/>
               <a:t>(2021) Identification of Human Motion Using Radar Sensor in an Indoor Environment</a:t>
+            </a:r>
+          </a:p>
+        </p:txBody>
+      </p:sp>
+      <p:sp>
+        <p:nvSpPr>
+          <p:cNvPr id="10" name="Content Placeholder 3">
+            <a:extLst>
+              <a:ext uri="{FF2B5EF4-FFF2-40B4-BE49-F238E27FC236}">
+                <a16:creationId xmlns:a16="http://schemas.microsoft.com/office/drawing/2014/main" id="{5D40D39E-8FDE-13D5-F20F-DD49BF4BE859}"/>
+              </a:ext>
+            </a:extLst>
+          </p:cNvPr>
+          <p:cNvSpPr txBox="1">
+            <a:spLocks/>
+          </p:cNvSpPr>
+          <p:nvPr/>
+        </p:nvSpPr>
+        <p:spPr>
+          <a:xfrm>
+            <a:off x="2713059" y="4983725"/>
+            <a:ext cx="3924300" cy="888455"/>
+          </a:xfrm>
+          <a:prstGeom prst="rect">
+            <a:avLst/>
+          </a:prstGeom>
+        </p:spPr>
+        <p:txBody>
+          <a:bodyPr vert="horz" lIns="91440" tIns="45720" rIns="91440" bIns="45720" rtlCol="0">
+            <a:normAutofit fontScale="92500" lnSpcReduction="20000"/>
+          </a:bodyPr>
+          <a:lstStyle>
+            <a:lvl1pPr marL="0" indent="0" algn="l" defTabSz="914400" rtl="0" eaLnBrk="1" latinLnBrk="0" hangingPunct="1">
+              <a:lnSpc>
+                <a:spcPct val="100000"/>
+              </a:lnSpc>
+              <a:spcBef>
+                <a:spcPts val="1000"/>
+              </a:spcBef>
+              <a:buFont typeface="Arial" panose="020B0604020202020204" pitchFamily="34" charset="0"/>
+              <a:buNone/>
+              <a:defRPr sz="1400" kern="1200" spc="50" baseline="0">
+                <a:solidFill>
+                  <a:schemeClr val="tx1"/>
+                </a:solidFill>
+                <a:latin typeface="+mn-lt"/>
+                <a:ea typeface="+mn-ea"/>
+                <a:cs typeface="+mn-cs"/>
+              </a:defRPr>
+            </a:lvl1pPr>
+            <a:lvl2pPr marL="457200" indent="0" algn="l" defTabSz="914400" rtl="0" eaLnBrk="1" latinLnBrk="0" hangingPunct="1">
+              <a:lnSpc>
+                <a:spcPct val="100000"/>
+              </a:lnSpc>
+              <a:spcBef>
+                <a:spcPts val="500"/>
+              </a:spcBef>
+              <a:buFont typeface="Arial" panose="020B0604020202020204" pitchFamily="34" charset="0"/>
+              <a:buNone/>
+              <a:defRPr sz="1400" kern="1200" spc="50" baseline="0">
+                <a:solidFill>
+                  <a:schemeClr val="tx1"/>
+                </a:solidFill>
+                <a:latin typeface="+mn-lt"/>
+                <a:ea typeface="+mn-ea"/>
+                <a:cs typeface="+mn-cs"/>
+              </a:defRPr>
+            </a:lvl2pPr>
+            <a:lvl3pPr marL="914400" indent="0" algn="l" defTabSz="914400" rtl="0" eaLnBrk="1" latinLnBrk="0" hangingPunct="1">
+              <a:lnSpc>
+                <a:spcPct val="100000"/>
+              </a:lnSpc>
+              <a:spcBef>
+                <a:spcPts val="500"/>
+              </a:spcBef>
+              <a:buFont typeface="Arial" panose="020B0604020202020204" pitchFamily="34" charset="0"/>
+              <a:buNone/>
+              <a:defRPr sz="1400" kern="1200" spc="50" baseline="0">
+                <a:solidFill>
+                  <a:schemeClr val="tx1"/>
+                </a:solidFill>
+                <a:latin typeface="+mn-lt"/>
+                <a:ea typeface="+mn-ea"/>
+                <a:cs typeface="+mn-cs"/>
+              </a:defRPr>
+            </a:lvl3pPr>
+            <a:lvl4pPr marL="1371600" indent="0" algn="l" defTabSz="914400" rtl="0" eaLnBrk="1" latinLnBrk="0" hangingPunct="1">
+              <a:lnSpc>
+                <a:spcPct val="100000"/>
+              </a:lnSpc>
+              <a:spcBef>
+                <a:spcPts val="500"/>
+              </a:spcBef>
+              <a:buFont typeface="Arial" panose="020B0604020202020204" pitchFamily="34" charset="0"/>
+              <a:buNone/>
+              <a:defRPr sz="1400" kern="1200" spc="50" baseline="0">
+                <a:solidFill>
+                  <a:schemeClr val="tx1"/>
+                </a:solidFill>
+                <a:latin typeface="+mn-lt"/>
+                <a:ea typeface="+mn-ea"/>
+                <a:cs typeface="+mn-cs"/>
+              </a:defRPr>
+            </a:lvl4pPr>
+            <a:lvl5pPr marL="1828800" indent="0" algn="l" defTabSz="914400" rtl="0" eaLnBrk="1" latinLnBrk="0" hangingPunct="1">
+              <a:lnSpc>
+                <a:spcPct val="100000"/>
+              </a:lnSpc>
+              <a:spcBef>
+                <a:spcPts val="500"/>
+              </a:spcBef>
+              <a:buFont typeface="Arial" panose="020B0604020202020204" pitchFamily="34" charset="0"/>
+              <a:buNone/>
+              <a:defRPr sz="1400" kern="1200" spc="50" baseline="0">
+                <a:solidFill>
+                  <a:schemeClr val="tx1"/>
+                </a:solidFill>
+                <a:latin typeface="+mn-lt"/>
+                <a:ea typeface="+mn-ea"/>
+                <a:cs typeface="+mn-cs"/>
+              </a:defRPr>
+            </a:lvl5pPr>
+            <a:lvl6pPr marL="2514600" indent="-228600" algn="l" defTabSz="914400" rtl="0" eaLnBrk="1" latinLnBrk="0" hangingPunct="1">
+              <a:lnSpc>
+                <a:spcPct val="90000"/>
+              </a:lnSpc>
+              <a:spcBef>
+                <a:spcPts val="500"/>
+              </a:spcBef>
+              <a:buFont typeface="Arial" panose="020B0604020202020204" pitchFamily="34" charset="0"/>
+              <a:buChar char="•"/>
+              <a:defRPr sz="1800" kern="1200">
+                <a:solidFill>
+                  <a:schemeClr val="tx1"/>
+                </a:solidFill>
+                <a:latin typeface="+mn-lt"/>
+                <a:ea typeface="+mn-ea"/>
+                <a:cs typeface="+mn-cs"/>
+              </a:defRPr>
+            </a:lvl6pPr>
+            <a:lvl7pPr marL="2971800" indent="-228600" algn="l" defTabSz="914400" rtl="0" eaLnBrk="1" latinLnBrk="0" hangingPunct="1">
+              <a:lnSpc>
+                <a:spcPct val="90000"/>
+              </a:lnSpc>
+              <a:spcBef>
+                <a:spcPts val="500"/>
+              </a:spcBef>
+              <a:buFont typeface="Arial" panose="020B0604020202020204" pitchFamily="34" charset="0"/>
+              <a:buChar char="•"/>
+              <a:defRPr sz="1800" kern="1200">
+                <a:solidFill>
+                  <a:schemeClr val="tx1"/>
+                </a:solidFill>
+                <a:latin typeface="+mn-lt"/>
+                <a:ea typeface="+mn-ea"/>
+                <a:cs typeface="+mn-cs"/>
+              </a:defRPr>
+            </a:lvl7pPr>
+            <a:lvl8pPr marL="3429000" indent="-228600" algn="l" defTabSz="914400" rtl="0" eaLnBrk="1" latinLnBrk="0" hangingPunct="1">
+              <a:lnSpc>
+                <a:spcPct val="90000"/>
+              </a:lnSpc>
+              <a:spcBef>
+                <a:spcPts val="500"/>
+              </a:spcBef>
+              <a:buFont typeface="Arial" panose="020B0604020202020204" pitchFamily="34" charset="0"/>
+              <a:buChar char="•"/>
+              <a:defRPr sz="1800" kern="1200">
+                <a:solidFill>
+                  <a:schemeClr val="tx1"/>
+                </a:solidFill>
+                <a:latin typeface="+mn-lt"/>
+                <a:ea typeface="+mn-ea"/>
+                <a:cs typeface="+mn-cs"/>
+              </a:defRPr>
+            </a:lvl8pPr>
+            <a:lvl9pPr marL="3886200" indent="-228600" algn="l" defTabSz="914400" rtl="0" eaLnBrk="1" latinLnBrk="0" hangingPunct="1">
+              <a:lnSpc>
+                <a:spcPct val="90000"/>
+              </a:lnSpc>
+              <a:spcBef>
+                <a:spcPts val="500"/>
+              </a:spcBef>
+              <a:buFont typeface="Arial" panose="020B0604020202020204" pitchFamily="34" charset="0"/>
+              <a:buChar char="•"/>
+              <a:defRPr sz="1800" kern="1200">
+                <a:solidFill>
+                  <a:schemeClr val="tx1"/>
+                </a:solidFill>
+                <a:latin typeface="+mn-lt"/>
+                <a:ea typeface="+mn-ea"/>
+                <a:cs typeface="+mn-cs"/>
+              </a:defRPr>
+            </a:lvl9pPr>
+          </a:lstStyle>
+          <a:p>
+            <a:pPr algn="just"/>
+            <a:r>
+              <a:rPr lang="it-IT" i="1" dirty="0"/>
+              <a:t>H. Li; A. Mehul; J. Le Kernec; S. Z. Gurbuz; F. Fioranelli</a:t>
+            </a:r>
+          </a:p>
+          <a:p>
+            <a:pPr algn="just"/>
+            <a:r>
+              <a:rPr lang="en-US" i="1" dirty="0"/>
+              <a:t>(2021) Sequential Human Gait Classification With Distributed Radar Sensor Fusion</a:t>
             </a:r>
           </a:p>
         </p:txBody>
@@ -20889,7 +21074,30 @@
             <a:lstStyle/>
             <a:p>
               <a:pPr algn="just"/>
-              <a:endParaRPr lang="pt-PT"/>
+              <a:r>
+                <a:rPr lang="pt-PT" sz="1400" dirty="0" err="1"/>
+                <a:t>Manage</a:t>
+              </a:r>
+              <a:r>
+                <a:rPr lang="pt-PT" sz="1400" dirty="0"/>
+                <a:t> group and </a:t>
+              </a:r>
+              <a:r>
+                <a:rPr lang="pt-PT" sz="1400" dirty="0" err="1"/>
+                <a:t>task</a:t>
+              </a:r>
+              <a:r>
+                <a:rPr lang="pt-PT" sz="1400" dirty="0"/>
+                <a:t> </a:t>
+              </a:r>
+              <a:r>
+                <a:rPr lang="pt-PT" sz="1400" dirty="0" err="1"/>
+                <a:t>execution</a:t>
+              </a:r>
+              <a:r>
+                <a:rPr lang="pt-PT" sz="1400" dirty="0"/>
+                <a:t>.</a:t>
+              </a:r>
             </a:p>
           </p:txBody>
         </p:sp>
@@ -21111,7 +21319,31 @@
             <a:lstStyle/>
             <a:p>
               <a:pPr algn="just"/>
-              <a:endParaRPr lang="pt-PT"/>
+              <a:r>
+                <a:rPr lang="en-US" sz="1400" dirty="0"/>
+                <a:t>M1;</a:t>
+              </a:r>
+            </a:p>
+            <a:p>
+              <a:pPr algn="just"/>
+              <a:r>
+                <a:rPr lang="en-US" sz="1400" dirty="0"/>
+                <a:t>M2;</a:t>
+              </a:r>
+            </a:p>
+            <a:p>
+              <a:pPr algn="just"/>
+              <a:r>
+                <a:rPr lang="en-US" sz="1400" dirty="0"/>
+                <a:t>M3;</a:t>
+              </a:r>
+            </a:p>
+            <a:p>
+              <a:pPr algn="just"/>
+              <a:r>
+                <a:rPr lang="en-US" sz="1400" dirty="0"/>
+                <a:t>Final.</a:t>
+              </a:r>
             </a:p>
           </p:txBody>
         </p:sp>
@@ -21890,7 +22122,7 @@
         </p:nvSpPr>
         <p:spPr>
           <a:xfrm>
-            <a:off x="1238250" y="4462363"/>
+            <a:off x="883282" y="4461524"/>
             <a:ext cx="2448560" cy="800219"/>
           </a:xfrm>
           <a:prstGeom prst="rect">
@@ -21941,7 +22173,7 @@
         </p:nvSpPr>
         <p:spPr>
           <a:xfrm>
-            <a:off x="1116962" y="2655687"/>
+            <a:off x="883282" y="2655687"/>
             <a:ext cx="2448560" cy="800219"/>
           </a:xfrm>
           <a:prstGeom prst="rect">
@@ -22016,7 +22248,7 @@
         </p:nvSpPr>
         <p:spPr>
           <a:xfrm>
-            <a:off x="8577491" y="2655687"/>
+            <a:off x="8860158" y="2655686"/>
             <a:ext cx="2448560" cy="800219"/>
           </a:xfrm>
           <a:prstGeom prst="rect">
@@ -22089,7 +22321,7 @@
         </p:nvSpPr>
         <p:spPr>
           <a:xfrm>
-            <a:off x="8577491" y="4461524"/>
+            <a:off x="8860158" y="4461524"/>
             <a:ext cx="2448560" cy="800219"/>
           </a:xfrm>
           <a:prstGeom prst="rect">
@@ -22953,15 +23185,6 @@
 </file>
 
 <file path=customXml/item1.xml><?xml version="1.0" encoding="utf-8"?>
-<?mso-contentType ?>
-<FormTemplates xmlns="http://schemas.microsoft.com/sharepoint/v3/contenttype/forms">
-  <Display>DocumentLibraryForm</Display>
-  <Edit>DocumentLibraryForm</Edit>
-  <New>DocumentLibraryForm</New>
-</FormTemplates>
-</file>
-
-<file path=customXml/item2.xml><?xml version="1.0" encoding="utf-8"?>
 <ct:contentTypeSchema xmlns:ct="http://schemas.microsoft.com/office/2006/metadata/contentType" xmlns:ma="http://schemas.microsoft.com/office/2006/metadata/properties/metaAttributes" ct:_="" ma:_="" ma:contentTypeName="Document" ma:contentTypeID="0x01010079F111ED35F8CC479449609E8A0923A6" ma:contentTypeVersion="28" ma:contentTypeDescription="Create a new document." ma:contentTypeScope="" ma:versionID="60f5a4f2d2b0abadcf532d48ebf9cb71">
   <xsd:schema xmlns:xsd="http://www.w3.org/2001/XMLSchema" xmlns:xs="http://www.w3.org/2001/XMLSchema" xmlns:p="http://schemas.microsoft.com/office/2006/metadata/properties" xmlns:ns1="http://schemas.microsoft.com/sharepoint/v3" xmlns:ns2="71af3243-3dd4-4a8d-8c0d-dd76da1f02a5" xmlns:ns3="16c05727-aa75-4e4a-9b5f-8a80a1165891" xmlns:ns4="230e9df3-be65-4c73-a93b-d1236ebd677e" targetNamespace="http://schemas.microsoft.com/office/2006/metadata/properties" ma:root="true" ma:fieldsID="7dd78129e6a1811f84807ad11c651531" ns1:_="" ns2:_="" ns3:_="" ns4:_="">
     <xsd:import namespace="http://schemas.microsoft.com/sharepoint/v3"/>
@@ -23273,6 +23496,15 @@
 </ct:contentTypeSchema>
 </file>
 
+<file path=customXml/item2.xml><?xml version="1.0" encoding="utf-8"?>
+<?mso-contentType ?>
+<FormTemplates xmlns="http://schemas.microsoft.com/sharepoint/v3/contenttype/forms">
+  <Display>DocumentLibraryForm</Display>
+  <Edit>DocumentLibraryForm</Edit>
+  <New>DocumentLibraryForm</New>
+</FormTemplates>
+</file>
+
 <file path=customXml/item3.xml><?xml version="1.0" encoding="utf-8"?>
 <p:properties xmlns:p="http://schemas.microsoft.com/office/2006/metadata/properties" xmlns:xsi="http://www.w3.org/2001/XMLSchema-instance" xmlns:pc="http://schemas.microsoft.com/office/infopath/2007/PartnerControls">
   <documentManagement>
@@ -23294,14 +23526,6 @@
 </file>
 
 <file path=customXml/itemProps1.xml><?xml version="1.0" encoding="utf-8"?>
-<ds:datastoreItem xmlns:ds="http://schemas.openxmlformats.org/officeDocument/2006/customXml" ds:itemID="{518A5EB6-E9B8-417D-B09E-03811FBC9BCD}">
-  <ds:schemaRefs>
-    <ds:schemaRef ds:uri="http://schemas.microsoft.com/sharepoint/v3/contenttype/forms"/>
-  </ds:schemaRefs>
-</ds:datastoreItem>
-</file>
-
-<file path=customXml/itemProps2.xml><?xml version="1.0" encoding="utf-8"?>
 <ds:datastoreItem xmlns:ds="http://schemas.openxmlformats.org/officeDocument/2006/customXml" ds:itemID="{EAB34632-EE39-4722-B8A6-C2A6B86CC893}">
   <ds:schemaRefs>
     <ds:schemaRef ds:uri="http://schemas.microsoft.com/office/2006/metadata/contentType"/>
@@ -23322,6 +23546,14 @@
 </ds:datastoreItem>
 </file>
 
+<file path=customXml/itemProps2.xml><?xml version="1.0" encoding="utf-8"?>
+<ds:datastoreItem xmlns:ds="http://schemas.openxmlformats.org/officeDocument/2006/customXml" ds:itemID="{518A5EB6-E9B8-417D-B09E-03811FBC9BCD}">
+  <ds:schemaRefs>
+    <ds:schemaRef ds:uri="http://schemas.microsoft.com/sharepoint/v3/contenttype/forms"/>
+  </ds:schemaRefs>
+</ds:datastoreItem>
+</file>
+
 <file path=customXml/itemProps3.xml><?xml version="1.0" encoding="utf-8"?>
 <ds:datastoreItem xmlns:ds="http://schemas.openxmlformats.org/officeDocument/2006/customXml" ds:itemID="{CE5CEF65-757A-4D05-90BA-ED40BC2E5152}">
   <ds:schemaRefs>
